--- a/SARS.pptx
+++ b/SARS.pptx
@@ -3735,6 +3735,17 @@
               <a:rPr lang="en-US" sz="4800" b="1" dirty="0"/>
               <a:t>(SARS)</a:t>
             </a:r>
+            <a:br>
+              <a:rPr lang="en-US" sz="4800" b="1" dirty="0"/>
+            </a:br>
+            <a:r>
+              <a:rPr lang="en-US" sz="4800" b="1" dirty="0"/>
+              <a:t>Text </a:t>
+            </a:r>
+            <a:r>
+              <a:rPr lang="en-US" sz="4800" b="1"/>
+              <a:t>Information System (CS410)</a:t>
+            </a:r>
             <a:endParaRPr lang="en-US" sz="4800" dirty="0"/>
           </a:p>
         </p:txBody>
@@ -3777,7 +3788,7 @@
           <a:p>
             <a:r>
               <a:rPr lang="en-US" b="1" dirty="0"/>
-              <a:t>Varun Kakkar (vkakkar2 @Illinois.edu)</a:t>
+              <a:t>Varun Kakkar (vkakkar2@Illinois.edu)</a:t>
             </a:r>
           </a:p>
           <a:p>
@@ -3880,9 +3891,33 @@
               <a:buNone/>
             </a:pPr>
             <a:r>
+              <a:rPr lang="en-US" sz="2800"/>
+              <a:t>Indian Restaurants</a:t>
+            </a:r>
+            <a:endParaRPr lang="en-US" sz="2800" dirty="0"/>
+          </a:p>
+          <a:p>
+            <a:pPr marL="0" indent="0">
+              <a:buNone/>
+            </a:pPr>
+            <a:r>
               <a:rPr lang="en-US" dirty="0"/>
-              <a:t>TBD</a:t>
-            </a:r>
+              <a:t>Italian Restaurants</a:t>
+            </a:r>
+          </a:p>
+          <a:p>
+            <a:pPr marL="0" indent="0">
+              <a:buNone/>
+            </a:pPr>
+            <a:r>
+              <a:rPr lang="en-US" dirty="0"/>
+              <a:t>Romantic Restaurants</a:t>
+            </a:r>
+          </a:p>
+          <a:p>
+            <a:pPr marL="0" indent="0">
+              <a:buNone/>
+            </a:pPr>
             <a:endParaRPr lang="en-US" sz="2800" dirty="0"/>
           </a:p>
         </p:txBody>
@@ -3996,6 +4031,13 @@
               <a:t> </a:t>
             </a:r>
           </a:p>
+          <a:p>
+            <a:r>
+              <a:rPr lang="en-US" dirty="0"/>
+              <a:t>Need to train and tune BM25 using user queries.</a:t>
+            </a:r>
+            <a:endParaRPr lang="en-US" sz="2800" dirty="0"/>
+          </a:p>
         </p:txBody>
       </p:sp>
     </p:spTree>
@@ -4097,7 +4139,15 @@
           <a:p>
             <a:r>
               <a:rPr lang="en-US" b="1" dirty="0"/>
-              <a:t>Varun Kakkar (vkakkar2 @Illinois.edu)</a:t>
+              <a:t>Varun Kakkar </a:t>
+            </a:r>
+            <a:r>
+              <a:rPr lang="en-US" b="1"/>
+              <a:t>(vkakkar2@</a:t>
+            </a:r>
+            <a:r>
+              <a:rPr lang="en-US" b="1" dirty="0"/>
+              <a:t>Illinois.edu)</a:t>
             </a:r>
           </a:p>
           <a:p>
@@ -4850,7 +4900,7 @@
         <p:spPr/>
         <p:txBody>
           <a:bodyPr>
-            <a:normAutofit/>
+            <a:normAutofit fontScale="92500" lnSpcReduction="20000"/>
           </a:bodyPr>
           <a:lstStyle/>
           <a:p>
@@ -4859,13 +4909,8 @@
             </a:pPr>
             <a:r>
               <a:rPr lang="en-US" dirty="0"/>
-              <a:t>Installation: VADER </a:t>
-            </a:r>
-            <a:r>
-              <a:rPr lang="en-US"/>
-              <a:t>python library</a:t>
-            </a:r>
-            <a:endParaRPr lang="en-US" dirty="0"/>
+              <a:t>Installation: VADER python library</a:t>
+            </a:r>
           </a:p>
           <a:p>
             <a:pPr lvl="1"/>
@@ -4960,6 +5005,29 @@
               <a:buNone/>
             </a:pPr>
             <a:endParaRPr lang="en-US" sz="2800" dirty="0"/>
+          </a:p>
+          <a:p>
+            <a:pPr marL="457200" lvl="1" indent="0">
+              <a:buNone/>
+            </a:pPr>
+            <a:r>
+              <a:rPr lang="en-US" sz="2800" dirty="0" err="1"/>
+              <a:t>TechReview</a:t>
+            </a:r>
+            <a:r>
+              <a:rPr lang="en-US" sz="2800" dirty="0"/>
+              <a:t> - </a:t>
+            </a:r>
+            <a:r>
+              <a:rPr lang="en-US" sz="2800" dirty="0">
+                <a:hlinkClick r:id="rId2"/>
+              </a:rPr>
+              <a:t>https://github.com/VarunKakkarUIUC/SearchAndRecommendationSystem/blob/master/TechnologyReview.pdf</a:t>
+            </a:r>
+            <a:r>
+              <a:rPr lang="en-US" sz="2800" dirty="0"/>
+              <a:t> </a:t>
+            </a:r>
           </a:p>
         </p:txBody>
       </p:sp>
@@ -5353,6 +5421,103 @@
           </a:p>
         </p:txBody>
       </p:sp>
+      <mc:AlternateContent xmlns:mc="http://schemas.openxmlformats.org/markup-compatibility/2006" xmlns:pslz="http://schemas.microsoft.com/office/powerpoint/2016/slidezoom">
+        <mc:Choice Requires="pslz">
+          <p:graphicFrame>
+            <p:nvGraphicFramePr>
+              <p:cNvPr id="5" name="Slide Zoom 4">
+                <a:extLst>
+                  <a:ext uri="{FF2B5EF4-FFF2-40B4-BE49-F238E27FC236}">
+                    <a16:creationId xmlns:a16="http://schemas.microsoft.com/office/drawing/2014/main" id="{76D13507-BC64-4E8D-A9B6-611629D327DC}"/>
+                  </a:ext>
+                </a:extLst>
+              </p:cNvPr>
+              <p:cNvGraphicFramePr>
+                <a:graphicFrameLocks noChangeAspect="1"/>
+              </p:cNvGraphicFramePr>
+              <p:nvPr>
+                <p:extLst>
+                  <p:ext uri="{D42A27DB-BD31-4B8C-83A1-F6EECF244321}">
+                    <p14:modId xmlns:p14="http://schemas.microsoft.com/office/powerpoint/2010/main" val="4158001235"/>
+                  </p:ext>
+                </p:extLst>
+              </p:nvPr>
+            </p:nvGraphicFramePr>
+            <p:xfrm>
+              <a:off x="-388546" y="5461357"/>
+              <a:ext cx="3048000" cy="1714500"/>
+            </p:xfrm>
+            <a:graphic>
+              <a:graphicData uri="http://schemas.microsoft.com/office/powerpoint/2016/slidezoom">
+                <pslz:sldZm>
+                  <pslz:sldZmObj sldId="298" cId="677546653">
+                    <pslz:zmPr id="{A10AF229-9E85-4499-8835-E4B728D62E54}" returnToParent="0" transitionDur="1000">
+                      <p166:blipFill xmlns:p166="http://schemas.microsoft.com/office/powerpoint/2016/6/main">
+                        <a:blip r:embed="rId2"/>
+                        <a:stretch>
+                          <a:fillRect/>
+                        </a:stretch>
+                      </p166:blipFill>
+                      <p166:spPr xmlns:p166="http://schemas.microsoft.com/office/powerpoint/2016/6/main">
+                        <a:xfrm>
+                          <a:off x="0" y="0"/>
+                          <a:ext cx="3048000" cy="1714500"/>
+                        </a:xfrm>
+                        <a:prstGeom prst="rect">
+                          <a:avLst/>
+                        </a:prstGeom>
+                        <a:ln w="3175">
+                          <a:solidFill>
+                            <a:prstClr val="ltGray"/>
+                          </a:solidFill>
+                        </a:ln>
+                      </p166:spPr>
+                    </pslz:zmPr>
+                  </pslz:sldZmObj>
+                </pslz:sldZm>
+              </a:graphicData>
+            </a:graphic>
+          </p:graphicFrame>
+        </mc:Choice>
+        <mc:Fallback xmlns="">
+          <p:pic>
+            <p:nvPicPr>
+              <p:cNvPr id="5" name="Slide Zoom 4">
+                <a:hlinkClick r:id="rId3" action="ppaction://hlinksldjump"/>
+                <a:extLst>
+                  <a:ext uri="{FF2B5EF4-FFF2-40B4-BE49-F238E27FC236}">
+                    <a16:creationId xmlns:a16="http://schemas.microsoft.com/office/drawing/2014/main" id="{76D13507-BC64-4E8D-A9B6-611629D327DC}"/>
+                  </a:ext>
+                </a:extLst>
+              </p:cNvPr>
+              <p:cNvPicPr>
+                <a:picLocks noGrp="1" noRot="1" noChangeAspect="1" noMove="1" noResize="1" noEditPoints="1" noAdjustHandles="1" noChangeArrowheads="1" noChangeShapeType="1"/>
+              </p:cNvPicPr>
+              <p:nvPr/>
+            </p:nvPicPr>
+            <p:blipFill>
+              <a:blip r:embed="rId4"/>
+              <a:stretch>
+                <a:fillRect/>
+              </a:stretch>
+            </p:blipFill>
+            <p:spPr>
+              <a:xfrm>
+                <a:off x="-388546" y="5461357"/>
+                <a:ext cx="3048000" cy="1714500"/>
+              </a:xfrm>
+              <a:prstGeom prst="rect">
+                <a:avLst/>
+              </a:prstGeom>
+              <a:ln w="3175">
+                <a:solidFill>
+                  <a:prstClr val="ltGray"/>
+                </a:solidFill>
+              </a:ln>
+            </p:spPr>
+          </p:pic>
+        </mc:Fallback>
+      </mc:AlternateContent>
     </p:spTree>
     <p:extLst>
       <p:ext uri="{BB962C8B-B14F-4D97-AF65-F5344CB8AC3E}">
@@ -5434,7 +5599,7 @@
         <p:spPr/>
         <p:txBody>
           <a:bodyPr>
-            <a:normAutofit/>
+            <a:normAutofit fontScale="92500" lnSpcReduction="10000"/>
           </a:bodyPr>
           <a:lstStyle/>
           <a:p>
@@ -5518,11 +5683,38 @@
             <a:pPr lvl="1"/>
             <a:r>
               <a:rPr lang="en-US" dirty="0"/>
-              <a:t>Search results </a:t>
-            </a:r>
-            <a:r>
-              <a:rPr lang="en-US"/>
-              <a:t>and Recommendations in UI.</a:t>
+              <a:t>Search results and Recommendations in UI.</a:t>
+            </a:r>
+          </a:p>
+          <a:p>
+            <a:pPr lvl="1"/>
+            <a:endParaRPr lang="en-US" dirty="0"/>
+          </a:p>
+          <a:p>
+            <a:pPr marL="457200" lvl="1" indent="0">
+              <a:buNone/>
+            </a:pPr>
+            <a:r>
+              <a:rPr lang="en-US" dirty="0"/>
+              <a:t>UI </a:t>
+            </a:r>
+            <a:r>
+              <a:rPr lang="en-US" dirty="0" err="1"/>
+              <a:t>Url</a:t>
+            </a:r>
+            <a:r>
+              <a:rPr lang="en-US"/>
+              <a:t> - </a:t>
+            </a:r>
+            <a:r>
+              <a:rPr lang="en-US">
+                <a:hlinkClick r:id="rId2"/>
+              </a:rPr>
+              <a:t>https://sars.azurewebsites.net/index.html</a:t>
+            </a:r>
+            <a:r>
+              <a:rPr lang="en-US"/>
+              <a:t> </a:t>
             </a:r>
             <a:endParaRPr lang="en-US" dirty="0"/>
           </a:p>
